--- a/02_基本設計/画面遷移図_全体像.pptx
+++ b/02_基本設計/画面遷移図_全体像.pptx
@@ -6,6 +6,7 @@
   </p:sldMasterIdLst>
   <p:sldIdLst>
     <p:sldId id="257" r:id="rId2"/>
+    <p:sldId id="258" r:id="rId3"/>
   </p:sldIdLst>
   <p:sldSz cx="12192000" cy="6858000"/>
   <p:notesSz cx="6858000" cy="9144000"/>
@@ -104,6 +105,11 @@
       </a:defRPr>
     </a:lvl9pPr>
   </p:defaultTextStyle>
+  <p:extLst>
+    <p:ext uri="{EFAFB233-063F-42B5-8137-9DF3F51BA10A}">
+      <p15:sldGuideLst xmlns:p15="http://schemas.microsoft.com/office/powerpoint/2012/main"/>
+    </p:ext>
+  </p:extLst>
 </p:presentation>
 </file>
 
@@ -3669,6 +3675,527 @@
 </p:sld>
 </file>
 
+<file path=ppt/slides/slide2.xml><?xml version="1.0" encoding="utf-8"?>
+<p:sld xmlns:a="http://schemas.openxmlformats.org/drawingml/2006/main" xmlns:r="http://schemas.openxmlformats.org/officeDocument/2006/relationships" xmlns:p="http://schemas.openxmlformats.org/presentationml/2006/main">
+  <p:cSld>
+    <p:spTree>
+      <p:nvGrpSpPr>
+        <p:cNvPr id="1" name=""/>
+        <p:cNvGrpSpPr/>
+        <p:nvPr/>
+      </p:nvGrpSpPr>
+      <p:grpSpPr>
+        <a:xfrm>
+          <a:off x="0" y="0"/>
+          <a:ext cx="0" cy="0"/>
+          <a:chOff x="0" y="0"/>
+          <a:chExt cx="0" cy="0"/>
+        </a:xfrm>
+      </p:grpSpPr>
+      <p:sp>
+        <p:nvSpPr>
+          <p:cNvPr id="5" name="テキスト ボックス 4">
+            <a:extLst>
+              <a:ext uri="{FF2B5EF4-FFF2-40B4-BE49-F238E27FC236}">
+                <a16:creationId xmlns:a16="http://schemas.microsoft.com/office/drawing/2014/main" id="{7975C07C-F5D3-38AA-7BD7-60A156F74952}"/>
+              </a:ext>
+            </a:extLst>
+          </p:cNvPr>
+          <p:cNvSpPr txBox="1"/>
+          <p:nvPr/>
+        </p:nvSpPr>
+        <p:spPr>
+          <a:xfrm>
+            <a:off x="219353" y="193029"/>
+            <a:ext cx="2339102" cy="461665"/>
+          </a:xfrm>
+          <a:prstGeom prst="rect">
+            <a:avLst/>
+          </a:prstGeom>
+          <a:noFill/>
+        </p:spPr>
+        <p:txBody>
+          <a:bodyPr wrap="none" rtlCol="0">
+            <a:spAutoFit/>
+          </a:bodyPr>
+          <a:lstStyle/>
+          <a:p>
+            <a:r>
+              <a:rPr kumimoji="1" lang="ja-JP" altLang="en-US" sz="2400" dirty="0"/>
+              <a:t>ポップアップ例</a:t>
+            </a:r>
+          </a:p>
+        </p:txBody>
+      </p:sp>
+      <p:pic>
+        <p:nvPicPr>
+          <p:cNvPr id="10" name="グラフィックス 9">
+            <a:extLst>
+              <a:ext uri="{FF2B5EF4-FFF2-40B4-BE49-F238E27FC236}">
+                <a16:creationId xmlns:a16="http://schemas.microsoft.com/office/drawing/2014/main" id="{9D960FCF-979D-5EDA-03A9-D57699568CCF}"/>
+              </a:ext>
+            </a:extLst>
+          </p:cNvPr>
+          <p:cNvPicPr>
+            <a:picLocks noChangeAspect="1"/>
+          </p:cNvPicPr>
+          <p:nvPr/>
+        </p:nvPicPr>
+        <p:blipFill>
+          <a:blip r:embed="rId2">
+            <a:extLst>
+              <a:ext uri="{96DAC541-7B7A-43D3-8B79-37D633B846F1}">
+                <asvg:svgBlip xmlns:asvg="http://schemas.microsoft.com/office/drawing/2016/SVG/main" r:embed="rId3"/>
+              </a:ext>
+            </a:extLst>
+          </a:blip>
+          <a:stretch>
+            <a:fillRect/>
+          </a:stretch>
+        </p:blipFill>
+        <p:spPr>
+          <a:xfrm>
+            <a:off x="586600" y="816863"/>
+            <a:ext cx="4901379" cy="5224274"/>
+          </a:xfrm>
+          <a:prstGeom prst="rect">
+            <a:avLst/>
+          </a:prstGeom>
+        </p:spPr>
+      </p:pic>
+      <p:sp>
+        <p:nvSpPr>
+          <p:cNvPr id="12" name="矢印: 右 11">
+            <a:extLst>
+              <a:ext uri="{FF2B5EF4-FFF2-40B4-BE49-F238E27FC236}">
+                <a16:creationId xmlns:a16="http://schemas.microsoft.com/office/drawing/2014/main" id="{899BFE5D-CB9F-3BBB-C5A3-7043FDE56813}"/>
+              </a:ext>
+            </a:extLst>
+          </p:cNvPr>
+          <p:cNvSpPr/>
+          <p:nvPr/>
+        </p:nvSpPr>
+        <p:spPr>
+          <a:xfrm>
+            <a:off x="5807947" y="3127549"/>
+            <a:ext cx="452176" cy="602901"/>
+          </a:xfrm>
+          <a:prstGeom prst="rightArrow">
+            <a:avLst/>
+          </a:prstGeom>
+          <a:solidFill>
+            <a:schemeClr val="accent1">
+              <a:lumMod val="40000"/>
+              <a:lumOff val="60000"/>
+            </a:schemeClr>
+          </a:solidFill>
+          <a:ln>
+            <a:noFill/>
+          </a:ln>
+        </p:spPr>
+        <p:style>
+          <a:lnRef idx="2">
+            <a:schemeClr val="accent1">
+              <a:shade val="15000"/>
+            </a:schemeClr>
+          </a:lnRef>
+          <a:fillRef idx="1">
+            <a:schemeClr val="accent1"/>
+          </a:fillRef>
+          <a:effectRef idx="0">
+            <a:schemeClr val="accent1"/>
+          </a:effectRef>
+          <a:fontRef idx="minor">
+            <a:schemeClr val="lt1"/>
+          </a:fontRef>
+        </p:style>
+        <p:txBody>
+          <a:bodyPr rtlCol="0" anchor="ctr"/>
+          <a:lstStyle/>
+          <a:p>
+            <a:pPr algn="ctr"/>
+            <a:endParaRPr kumimoji="1" lang="ja-JP" altLang="en-US"/>
+          </a:p>
+        </p:txBody>
+      </p:sp>
+      <p:pic>
+        <p:nvPicPr>
+          <p:cNvPr id="19" name="グラフィックス 18">
+            <a:extLst>
+              <a:ext uri="{FF2B5EF4-FFF2-40B4-BE49-F238E27FC236}">
+                <a16:creationId xmlns:a16="http://schemas.microsoft.com/office/drawing/2014/main" id="{F9ABDDC4-461A-AFF4-88C3-E250B1EBA5B0}"/>
+              </a:ext>
+            </a:extLst>
+          </p:cNvPr>
+          <p:cNvPicPr>
+            <a:picLocks noChangeAspect="1"/>
+          </p:cNvPicPr>
+          <p:nvPr/>
+        </p:nvPicPr>
+        <p:blipFill>
+          <a:blip r:embed="rId2">
+            <a:extLst>
+              <a:ext uri="{96DAC541-7B7A-43D3-8B79-37D633B846F1}">
+                <asvg:svgBlip xmlns:asvg="http://schemas.microsoft.com/office/drawing/2016/SVG/main" r:embed="rId3"/>
+              </a:ext>
+            </a:extLst>
+          </a:blip>
+          <a:stretch>
+            <a:fillRect/>
+          </a:stretch>
+        </p:blipFill>
+        <p:spPr>
+          <a:xfrm>
+            <a:off x="6580091" y="816863"/>
+            <a:ext cx="4901379" cy="5224274"/>
+          </a:xfrm>
+          <a:prstGeom prst="rect">
+            <a:avLst/>
+          </a:prstGeom>
+        </p:spPr>
+      </p:pic>
+      <p:sp>
+        <p:nvSpPr>
+          <p:cNvPr id="20" name="正方形/長方形 19">
+            <a:extLst>
+              <a:ext uri="{FF2B5EF4-FFF2-40B4-BE49-F238E27FC236}">
+                <a16:creationId xmlns:a16="http://schemas.microsoft.com/office/drawing/2014/main" id="{111D3480-1760-759C-8F66-F7C460E29A42}"/>
+              </a:ext>
+            </a:extLst>
+          </p:cNvPr>
+          <p:cNvSpPr/>
+          <p:nvPr/>
+        </p:nvSpPr>
+        <p:spPr>
+          <a:xfrm>
+            <a:off x="6580090" y="1722721"/>
+            <a:ext cx="4901379" cy="4318416"/>
+          </a:xfrm>
+          <a:prstGeom prst="rect">
+            <a:avLst/>
+          </a:prstGeom>
+          <a:solidFill>
+            <a:srgbClr val="7F7F7F">
+              <a:alpha val="50196"/>
+            </a:srgbClr>
+          </a:solidFill>
+        </p:spPr>
+        <p:style>
+          <a:lnRef idx="2">
+            <a:schemeClr val="accent1">
+              <a:shade val="15000"/>
+            </a:schemeClr>
+          </a:lnRef>
+          <a:fillRef idx="1">
+            <a:schemeClr val="accent1"/>
+          </a:fillRef>
+          <a:effectRef idx="0">
+            <a:schemeClr val="accent1"/>
+          </a:effectRef>
+          <a:fontRef idx="minor">
+            <a:schemeClr val="lt1"/>
+          </a:fontRef>
+        </p:style>
+        <p:txBody>
+          <a:bodyPr rtlCol="0" anchor="ctr"/>
+          <a:lstStyle/>
+          <a:p>
+            <a:pPr algn="ctr"/>
+            <a:endParaRPr kumimoji="1" lang="ja-JP" altLang="en-US"/>
+          </a:p>
+        </p:txBody>
+      </p:sp>
+      <p:grpSp>
+        <p:nvGrpSpPr>
+          <p:cNvPr id="21" name="グループ化 20">
+            <a:extLst>
+              <a:ext uri="{FF2B5EF4-FFF2-40B4-BE49-F238E27FC236}">
+                <a16:creationId xmlns:a16="http://schemas.microsoft.com/office/drawing/2014/main" id="{68850519-EABC-8FB7-4AA6-9DB090A8F4B0}"/>
+              </a:ext>
+            </a:extLst>
+          </p:cNvPr>
+          <p:cNvGrpSpPr/>
+          <p:nvPr/>
+        </p:nvGrpSpPr>
+        <p:grpSpPr>
+          <a:xfrm>
+            <a:off x="7413040" y="1722721"/>
+            <a:ext cx="3235478" cy="2028014"/>
+            <a:chOff x="4136746" y="1644623"/>
+            <a:chExt cx="3744686" cy="2983900"/>
+          </a:xfrm>
+        </p:grpSpPr>
+        <p:sp>
+          <p:nvSpPr>
+            <p:cNvPr id="22" name="四角形: 角を丸くする 21">
+              <a:extLst>
+                <a:ext uri="{FF2B5EF4-FFF2-40B4-BE49-F238E27FC236}">
+                  <a16:creationId xmlns:a16="http://schemas.microsoft.com/office/drawing/2014/main" id="{BA0574EE-28F5-B07E-D26F-FE4829CD68B7}"/>
+                </a:ext>
+              </a:extLst>
+            </p:cNvPr>
+            <p:cNvSpPr/>
+            <p:nvPr/>
+          </p:nvSpPr>
+          <p:spPr>
+            <a:xfrm>
+              <a:off x="4136746" y="1650491"/>
+              <a:ext cx="3744686" cy="2978032"/>
+            </a:xfrm>
+            <a:prstGeom prst="roundRect">
+              <a:avLst>
+                <a:gd name="adj" fmla="val 7848"/>
+              </a:avLst>
+            </a:prstGeom>
+            <a:solidFill>
+              <a:schemeClr val="bg1"/>
+            </a:solidFill>
+            <a:ln>
+              <a:solidFill>
+                <a:schemeClr val="tx1"/>
+              </a:solidFill>
+            </a:ln>
+          </p:spPr>
+          <p:style>
+            <a:lnRef idx="2">
+              <a:schemeClr val="accent1">
+                <a:shade val="15000"/>
+              </a:schemeClr>
+            </a:lnRef>
+            <a:fillRef idx="1">
+              <a:schemeClr val="accent1"/>
+            </a:fillRef>
+            <a:effectRef idx="0">
+              <a:schemeClr val="accent1"/>
+            </a:effectRef>
+            <a:fontRef idx="minor">
+              <a:schemeClr val="lt1"/>
+            </a:fontRef>
+          </p:style>
+          <p:txBody>
+            <a:bodyPr rtlCol="0" anchor="ctr"/>
+            <a:lstStyle/>
+            <a:p>
+              <a:pPr algn="ctr"/>
+              <a:endParaRPr kumimoji="1" lang="ja-JP" altLang="en-US"/>
+            </a:p>
+          </p:txBody>
+        </p:sp>
+        <p:sp>
+          <p:nvSpPr>
+            <p:cNvPr id="23" name="四角形: 角を丸くする 22">
+              <a:extLst>
+                <a:ext uri="{FF2B5EF4-FFF2-40B4-BE49-F238E27FC236}">
+                  <a16:creationId xmlns:a16="http://schemas.microsoft.com/office/drawing/2014/main" id="{21B9CFC5-1182-BCE3-7009-D5C63DB81DF6}"/>
+                </a:ext>
+              </a:extLst>
+            </p:cNvPr>
+            <p:cNvSpPr/>
+            <p:nvPr/>
+          </p:nvSpPr>
+          <p:spPr>
+            <a:xfrm>
+              <a:off x="4476218" y="3886158"/>
+              <a:ext cx="1092202" cy="347133"/>
+            </a:xfrm>
+            <a:prstGeom prst="roundRect">
+              <a:avLst/>
+            </a:prstGeom>
+            <a:solidFill>
+              <a:schemeClr val="accent3">
+                <a:lumMod val="60000"/>
+                <a:lumOff val="40000"/>
+              </a:schemeClr>
+            </a:solidFill>
+            <a:ln>
+              <a:noFill/>
+            </a:ln>
+          </p:spPr>
+          <p:style>
+            <a:lnRef idx="2">
+              <a:schemeClr val="accent1">
+                <a:shade val="15000"/>
+              </a:schemeClr>
+            </a:lnRef>
+            <a:fillRef idx="1">
+              <a:schemeClr val="accent1"/>
+            </a:fillRef>
+            <a:effectRef idx="0">
+              <a:schemeClr val="accent1"/>
+            </a:effectRef>
+            <a:fontRef idx="minor">
+              <a:schemeClr val="lt1"/>
+            </a:fontRef>
+          </p:style>
+          <p:txBody>
+            <a:bodyPr rtlCol="0" anchor="ctr"/>
+            <a:lstStyle/>
+            <a:p>
+              <a:pPr algn="ctr"/>
+              <a:r>
+                <a:rPr kumimoji="1" lang="ja-JP" altLang="en-US" sz="1400" b="1" dirty="0"/>
+                <a:t>はい</a:t>
+              </a:r>
+            </a:p>
+          </p:txBody>
+        </p:sp>
+        <p:sp>
+          <p:nvSpPr>
+            <p:cNvPr id="24" name="四角形: 角を丸くする 23">
+              <a:extLst>
+                <a:ext uri="{FF2B5EF4-FFF2-40B4-BE49-F238E27FC236}">
+                  <a16:creationId xmlns:a16="http://schemas.microsoft.com/office/drawing/2014/main" id="{0C5B1937-3F2B-2E44-1425-660BC443ACE4}"/>
+                </a:ext>
+              </a:extLst>
+            </p:cNvPr>
+            <p:cNvSpPr/>
+            <p:nvPr/>
+          </p:nvSpPr>
+          <p:spPr>
+            <a:xfrm>
+              <a:off x="6449765" y="3886158"/>
+              <a:ext cx="1092202" cy="347133"/>
+            </a:xfrm>
+            <a:prstGeom prst="roundRect">
+              <a:avLst/>
+            </a:prstGeom>
+            <a:solidFill>
+              <a:schemeClr val="tx1">
+                <a:lumMod val="65000"/>
+                <a:lumOff val="35000"/>
+              </a:schemeClr>
+            </a:solidFill>
+            <a:ln>
+              <a:noFill/>
+            </a:ln>
+          </p:spPr>
+          <p:style>
+            <a:lnRef idx="2">
+              <a:schemeClr val="accent1">
+                <a:shade val="15000"/>
+              </a:schemeClr>
+            </a:lnRef>
+            <a:fillRef idx="1">
+              <a:schemeClr val="accent1"/>
+            </a:fillRef>
+            <a:effectRef idx="0">
+              <a:schemeClr val="accent1"/>
+            </a:effectRef>
+            <a:fontRef idx="minor">
+              <a:schemeClr val="lt1"/>
+            </a:fontRef>
+          </p:style>
+          <p:txBody>
+            <a:bodyPr rtlCol="0" anchor="ctr"/>
+            <a:lstStyle/>
+            <a:p>
+              <a:pPr algn="ctr"/>
+              <a:r>
+                <a:rPr kumimoji="1" lang="ja-JP" altLang="en-US" sz="1400" b="1" dirty="0"/>
+                <a:t>いいえ</a:t>
+              </a:r>
+            </a:p>
+          </p:txBody>
+        </p:sp>
+        <p:sp>
+          <p:nvSpPr>
+            <p:cNvPr id="25" name="テキスト ボックス 24">
+              <a:extLst>
+                <a:ext uri="{FF2B5EF4-FFF2-40B4-BE49-F238E27FC236}">
+                  <a16:creationId xmlns:a16="http://schemas.microsoft.com/office/drawing/2014/main" id="{B1A4E9B5-7C3B-C48B-D19F-1E4EE01C9CEC}"/>
+                </a:ext>
+              </a:extLst>
+            </p:cNvPr>
+            <p:cNvSpPr txBox="1"/>
+            <p:nvPr/>
+          </p:nvSpPr>
+          <p:spPr>
+            <a:xfrm>
+              <a:off x="4759367" y="1644623"/>
+              <a:ext cx="2499444" cy="2128368"/>
+            </a:xfrm>
+            <a:prstGeom prst="rect">
+              <a:avLst/>
+            </a:prstGeom>
+            <a:noFill/>
+          </p:spPr>
+          <p:txBody>
+            <a:bodyPr wrap="none" rtlCol="0">
+              <a:spAutoFit/>
+            </a:bodyPr>
+            <a:lstStyle/>
+            <a:p>
+              <a:pPr>
+                <a:lnSpc>
+                  <a:spcPct val="200000"/>
+                </a:lnSpc>
+              </a:pPr>
+              <a:r>
+                <a:rPr kumimoji="1" lang="ja-JP" altLang="en-US" sz="1400" b="1" dirty="0"/>
+                <a:t>以下の項目で登録します</a:t>
+              </a:r>
+              <a:endParaRPr kumimoji="1" lang="en-US" altLang="ja-JP" sz="1400" b="1" dirty="0"/>
+            </a:p>
+            <a:p>
+              <a:r>
+                <a:rPr lang="ja-JP" altLang="en-US" sz="1200" dirty="0"/>
+                <a:t>社員番号　：</a:t>
+              </a:r>
+              <a:r>
+                <a:rPr lang="en-US" altLang="ja-JP" sz="1200" dirty="0"/>
+                <a:t>111111112</a:t>
+              </a:r>
+            </a:p>
+            <a:p>
+              <a:r>
+                <a:rPr lang="ja-JP" altLang="en-US" sz="1200" dirty="0"/>
+                <a:t>パスワード：</a:t>
+              </a:r>
+              <a:r>
+                <a:rPr lang="en-US" altLang="ja-JP" sz="1200" dirty="0"/>
+                <a:t>********</a:t>
+              </a:r>
+            </a:p>
+            <a:p>
+              <a:r>
+                <a:rPr lang="ja-JP" altLang="en-US" sz="1200" dirty="0"/>
+                <a:t>所属コード：</a:t>
+              </a:r>
+              <a:r>
+                <a:rPr lang="en-US" altLang="ja-JP" sz="1200" dirty="0"/>
+                <a:t>8888</a:t>
+              </a:r>
+            </a:p>
+            <a:p>
+              <a:r>
+                <a:rPr lang="ja-JP" altLang="en-US" sz="1200" dirty="0"/>
+                <a:t>所属名　　：技術本部</a:t>
+              </a:r>
+              <a:endParaRPr lang="en-US" altLang="ja-JP" sz="1200" dirty="0"/>
+            </a:p>
+            <a:p>
+              <a:r>
+                <a:rPr lang="ja-JP" altLang="en-US" sz="1200" dirty="0"/>
+                <a:t>氏名　　　：山田　太郎</a:t>
+              </a:r>
+              <a:endParaRPr kumimoji="1" lang="ja-JP" altLang="en-US" sz="1200" dirty="0"/>
+            </a:p>
+          </p:txBody>
+        </p:sp>
+      </p:grpSp>
+    </p:spTree>
+    <p:extLst>
+      <p:ext uri="{BB962C8B-B14F-4D97-AF65-F5344CB8AC3E}">
+        <p14:creationId xmlns:p14="http://schemas.microsoft.com/office/powerpoint/2010/main" val="2457724169"/>
+      </p:ext>
+    </p:extLst>
+  </p:cSld>
+  <p:clrMapOvr>
+    <a:masterClrMapping/>
+  </p:clrMapOvr>
+</p:sld>
+</file>
+
 <file path=ppt/theme/theme1.xml><?xml version="1.0" encoding="utf-8"?>
 <a:theme xmlns:a="http://schemas.openxmlformats.org/drawingml/2006/main" name="Office テーマ">
   <a:themeElements>
